--- a/Project 1/Milestone 3/HR Analytics and Prediction of Employee Attrition Presentation.pptx
+++ b/Project 1/Milestone 3/HR Analytics and Prediction of Employee Attrition Presentation.pptx
@@ -33559,7 +33559,7 @@
                 <a:ea typeface="Calibri" panose="020F0502020204030204" pitchFamily="34" charset="0"/>
                 <a:cs typeface="Latha" panose="020B0604020202020204" pitchFamily="34" charset="0"/>
               </a:rPr>
-              <a:t>Employee retention strategies are integral to the success and well-being of a company. Attrition is a problem that impacts all businesses, irrespective of geography, industry and size of the company. </a:t>
+              <a:t>Employee retention strategies are integral to the success and well-being of a company. Attrition is a problem that impacts all businesses, irrespective of geography, industry, and size of the company. </a:t>
             </a:r>
           </a:p>
           <a:p>
@@ -33571,7 +33571,7 @@
                 <a:ea typeface="Calibri" panose="020F0502020204030204" pitchFamily="34" charset="0"/>
                 <a:cs typeface="Latha" panose="020B0604020202020204" pitchFamily="34" charset="0"/>
               </a:rPr>
-              <a:t>Employee attrition leads to significant costs for a business, including the cost of business disruption, hiring new staff and training new staff. </a:t>
+              <a:t>Employee attrition leads to significant costs for a business, including the cost of business disruption, hiring new staff, and training new staff. </a:t>
             </a:r>
           </a:p>
           <a:p>
@@ -41749,6 +41749,15 @@
 </file>
 
 <file path=customXml/item2.xml><?xml version="1.0" encoding="utf-8"?>
+<?mso-contentType ?>
+<FormTemplates xmlns="http://schemas.microsoft.com/sharepoint/v3/contenttype/forms">
+  <Display>DocumentLibraryForm</Display>
+  <Edit>DocumentLibraryForm</Edit>
+  <New>DocumentLibraryForm</New>
+</FormTemplates>
+</file>
+
+<file path=customXml/item3.xml><?xml version="1.0" encoding="utf-8"?>
 <p:properties xmlns:p="http://schemas.microsoft.com/office/2006/metadata/properties" xmlns:xsi="http://www.w3.org/2001/XMLSchema-instance" xmlns:pc="http://schemas.microsoft.com/office/infopath/2007/PartnerControls">
   <documentManagement>
     <_ip_UnifiedCompliancePolicyUIAction xmlns="http://schemas.microsoft.com/sharepoint/v3" xsi:nil="true"/>
@@ -41766,15 +41775,6 @@
     <MediaServiceKeyPoints xmlns="71af3243-3dd4-4a8d-8c0d-dd76da1f02a5" xsi:nil="true"/>
   </documentManagement>
 </p:properties>
-</file>
-
-<file path=customXml/item3.xml><?xml version="1.0" encoding="utf-8"?>
-<?mso-contentType ?>
-<FormTemplates xmlns="http://schemas.microsoft.com/sharepoint/v3/contenttype/forms">
-  <Display>DocumentLibraryForm</Display>
-  <Edit>DocumentLibraryForm</Edit>
-  <New>DocumentLibraryForm</New>
-</FormTemplates>
 </file>
 
 <file path=customXml/itemProps1.xml><?xml version="1.0" encoding="utf-8"?>
@@ -41799,6 +41799,14 @@
 </file>
 
 <file path=customXml/itemProps2.xml><?xml version="1.0" encoding="utf-8"?>
+<ds:datastoreItem xmlns:ds="http://schemas.openxmlformats.org/officeDocument/2006/customXml" ds:itemID="{D19EC099-CA80-4E7D-B4BF-2970B26F4E55}">
+  <ds:schemaRefs>
+    <ds:schemaRef ds:uri="http://schemas.microsoft.com/sharepoint/v3/contenttype/forms"/>
+  </ds:schemaRefs>
+</ds:datastoreItem>
+</file>
+
+<file path=customXml/itemProps3.xml><?xml version="1.0" encoding="utf-8"?>
 <ds:datastoreItem xmlns:ds="http://schemas.openxmlformats.org/officeDocument/2006/customXml" ds:itemID="{13A2AE28-B20A-43BD-B938-8C55A179243B}">
   <ds:schemaRefs>
     <ds:schemaRef ds:uri="http://schemas.microsoft.com/office/2006/metadata/properties"/>
@@ -41810,14 +41818,6 @@
 </ds:datastoreItem>
 </file>
 
-<file path=customXml/itemProps3.xml><?xml version="1.0" encoding="utf-8"?>
-<ds:datastoreItem xmlns:ds="http://schemas.openxmlformats.org/officeDocument/2006/customXml" ds:itemID="{D19EC099-CA80-4E7D-B4BF-2970B26F4E55}">
-  <ds:schemaRefs>
-    <ds:schemaRef ds:uri="http://schemas.microsoft.com/sharepoint/v3/contenttype/forms"/>
-  </ds:schemaRefs>
-</ds:datastoreItem>
-</file>
-
 <file path=docMetadata/LabelInfo.xml><?xml version="1.0" encoding="utf-8"?>
 <clbl:labelList xmlns:clbl="http://schemas.microsoft.com/office/2020/mipLabelMetadata"/>
 </file>